--- a/Common/Chapter12 GS.pptx
+++ b/Common/Chapter12 GS.pptx
@@ -5,10 +5,10 @@
     <p:sldMasterId id="2147483648" r:id="rId1"/>
   </p:sldMasterIdLst>
   <p:notesMasterIdLst>
-    <p:notesMasterId r:id="rId19"/>
+    <p:notesMasterId r:id="rId20"/>
   </p:notesMasterIdLst>
   <p:handoutMasterIdLst>
-    <p:handoutMasterId r:id="rId20"/>
+    <p:handoutMasterId r:id="rId21"/>
   </p:handoutMasterIdLst>
   <p:sldIdLst>
     <p:sldId id="261" r:id="rId2"/>
@@ -19,15 +19,16 @@
     <p:sldId id="275" r:id="rId7"/>
     <p:sldId id="276" r:id="rId8"/>
     <p:sldId id="277" r:id="rId9"/>
-    <p:sldId id="262" r:id="rId10"/>
-    <p:sldId id="263" r:id="rId11"/>
-    <p:sldId id="264" r:id="rId12"/>
-    <p:sldId id="265" r:id="rId13"/>
-    <p:sldId id="271" r:id="rId14"/>
-    <p:sldId id="267" r:id="rId15"/>
-    <p:sldId id="268" r:id="rId16"/>
-    <p:sldId id="269" r:id="rId17"/>
-    <p:sldId id="270" r:id="rId18"/>
+    <p:sldId id="278" r:id="rId10"/>
+    <p:sldId id="262" r:id="rId11"/>
+    <p:sldId id="263" r:id="rId12"/>
+    <p:sldId id="264" r:id="rId13"/>
+    <p:sldId id="265" r:id="rId14"/>
+    <p:sldId id="271" r:id="rId15"/>
+    <p:sldId id="267" r:id="rId16"/>
+    <p:sldId id="268" r:id="rId17"/>
+    <p:sldId id="269" r:id="rId18"/>
+    <p:sldId id="270" r:id="rId19"/>
   </p:sldIdLst>
   <p:sldSz cx="12192000" cy="6858000"/>
   <p:notesSz cx="6858000" cy="9144000"/>
@@ -4340,7 +4341,7 @@
                 <a:latin typeface="맑은 고딕" panose="020B0503020000020004" pitchFamily="50" charset="-127"/>
                 <a:ea typeface="맑은 고딕" panose="020B0503020000020004" pitchFamily="50" charset="-127"/>
               </a:rPr>
-              <a:t>2019년 6월 11일</a:t>
+              <a:t>2019년 6월 12일</a:t>
             </a:fld>
             <a:endParaRPr lang="ko-KR" altLang="en-US" dirty="0">
               <a:latin typeface="맑은 고딕" panose="020B0503020000020004" pitchFamily="50" charset="-127"/>
@@ -4526,7 +4527,7 @@
             <a:fld id="{BE16EC8A-0758-4FA9-BF4D-3119057076D1}" type="datetime4">
               <a:rPr lang="ko-KR" altLang="en-US" smtClean="0"/>
               <a:pPr/>
-              <a:t>2019년 6월 11일</a:t>
+              <a:t>2019년 6월 12일</a:t>
             </a:fld>
             <a:endParaRPr lang="ko-KR" altLang="en-US" dirty="0"/>
           </a:p>
@@ -4983,7 +4984,7 @@
     </p:spTree>
     <p:extLst>
       <p:ext uri="{BB962C8B-B14F-4D97-AF65-F5344CB8AC3E}">
-        <p14:creationId xmlns:p14="http://schemas.microsoft.com/office/powerpoint/2010/main" val="13273776"/>
+        <p14:creationId xmlns:p14="http://schemas.microsoft.com/office/powerpoint/2010/main" val="4200904051"/>
       </p:ext>
     </p:extLst>
   </p:cSld>
@@ -5077,7 +5078,7 @@
     </p:spTree>
     <p:extLst>
       <p:ext uri="{BB962C8B-B14F-4D97-AF65-F5344CB8AC3E}">
-        <p14:creationId xmlns:p14="http://schemas.microsoft.com/office/powerpoint/2010/main" val="395476298"/>
+        <p14:creationId xmlns:p14="http://schemas.microsoft.com/office/powerpoint/2010/main" val="13273776"/>
       </p:ext>
     </p:extLst>
   </p:cSld>
@@ -5171,7 +5172,7 @@
     </p:spTree>
     <p:extLst>
       <p:ext uri="{BB962C8B-B14F-4D97-AF65-F5344CB8AC3E}">
-        <p14:creationId xmlns:p14="http://schemas.microsoft.com/office/powerpoint/2010/main" val="2156841782"/>
+        <p14:creationId xmlns:p14="http://schemas.microsoft.com/office/powerpoint/2010/main" val="395476298"/>
       </p:ext>
     </p:extLst>
   </p:cSld>
@@ -5265,7 +5266,7 @@
     </p:spTree>
     <p:extLst>
       <p:ext uri="{BB962C8B-B14F-4D97-AF65-F5344CB8AC3E}">
-        <p14:creationId xmlns:p14="http://schemas.microsoft.com/office/powerpoint/2010/main" val="4126541837"/>
+        <p14:creationId xmlns:p14="http://schemas.microsoft.com/office/powerpoint/2010/main" val="2156841782"/>
       </p:ext>
     </p:extLst>
   </p:cSld>
@@ -5359,7 +5360,7 @@
     </p:spTree>
     <p:extLst>
       <p:ext uri="{BB962C8B-B14F-4D97-AF65-F5344CB8AC3E}">
-        <p14:creationId xmlns:p14="http://schemas.microsoft.com/office/powerpoint/2010/main" val="3453376837"/>
+        <p14:creationId xmlns:p14="http://schemas.microsoft.com/office/powerpoint/2010/main" val="4126541837"/>
       </p:ext>
     </p:extLst>
   </p:cSld>
@@ -5453,7 +5454,7 @@
     </p:spTree>
     <p:extLst>
       <p:ext uri="{BB962C8B-B14F-4D97-AF65-F5344CB8AC3E}">
-        <p14:creationId xmlns:p14="http://schemas.microsoft.com/office/powerpoint/2010/main" val="1355721338"/>
+        <p14:creationId xmlns:p14="http://schemas.microsoft.com/office/powerpoint/2010/main" val="3453376837"/>
       </p:ext>
     </p:extLst>
   </p:cSld>
@@ -5547,7 +5548,7 @@
     </p:spTree>
     <p:extLst>
       <p:ext uri="{BB962C8B-B14F-4D97-AF65-F5344CB8AC3E}">
-        <p14:creationId xmlns:p14="http://schemas.microsoft.com/office/powerpoint/2010/main" val="3219704989"/>
+        <p14:creationId xmlns:p14="http://schemas.microsoft.com/office/powerpoint/2010/main" val="1355721338"/>
       </p:ext>
     </p:extLst>
   </p:cSld>
@@ -5630,6 +5631,100 @@
                 <a:ea typeface="맑은 고딕" panose="020B0503020000020004" pitchFamily="50" charset="-127"/>
               </a:rPr>
               <a:t>17</a:t>
+            </a:fld>
+            <a:endParaRPr lang="ko-KR" altLang="en-US" dirty="0">
+              <a:latin typeface="맑은 고딕" panose="020B0503020000020004" pitchFamily="50" charset="-127"/>
+              <a:ea typeface="맑은 고딕" panose="020B0503020000020004" pitchFamily="50" charset="-127"/>
+            </a:endParaRPr>
+          </a:p>
+        </p:txBody>
+      </p:sp>
+    </p:spTree>
+    <p:extLst>
+      <p:ext uri="{BB962C8B-B14F-4D97-AF65-F5344CB8AC3E}">
+        <p14:creationId xmlns:p14="http://schemas.microsoft.com/office/powerpoint/2010/main" val="3219704989"/>
+      </p:ext>
+    </p:extLst>
+  </p:cSld>
+  <p:clrMapOvr>
+    <a:masterClrMapping/>
+  </p:clrMapOvr>
+</p:notes>
+</file>
+
+<file path=ppt/notesSlides/notesSlide18.xml><?xml version="1.0" encoding="utf-8"?>
+<p:notes xmlns:a="http://schemas.openxmlformats.org/drawingml/2006/main" xmlns:r="http://schemas.openxmlformats.org/officeDocument/2006/relationships" xmlns:p="http://schemas.openxmlformats.org/presentationml/2006/main">
+  <p:cSld>
+    <p:spTree>
+      <p:nvGrpSpPr>
+        <p:cNvPr id="1" name=""/>
+        <p:cNvGrpSpPr/>
+        <p:nvPr/>
+      </p:nvGrpSpPr>
+      <p:grpSpPr>
+        <a:xfrm>
+          <a:off x="0" y="0"/>
+          <a:ext cx="0" cy="0"/>
+          <a:chOff x="0" y="0"/>
+          <a:chExt cx="0" cy="0"/>
+        </a:xfrm>
+      </p:grpSpPr>
+      <p:sp>
+        <p:nvSpPr>
+          <p:cNvPr id="2" name="슬라이드 이미지 개체 틀 1"/>
+          <p:cNvSpPr>
+            <a:spLocks noGrp="1" noRot="1" noChangeAspect="1"/>
+          </p:cNvSpPr>
+          <p:nvPr>
+            <p:ph type="sldImg"/>
+          </p:nvPr>
+        </p:nvSpPr>
+        <p:spPr/>
+      </p:sp>
+      <p:sp>
+        <p:nvSpPr>
+          <p:cNvPr id="3" name="슬라이드 노트 개체 틀 2"/>
+          <p:cNvSpPr>
+            <a:spLocks noGrp="1"/>
+          </p:cNvSpPr>
+          <p:nvPr>
+            <p:ph type="body" idx="1"/>
+          </p:nvPr>
+        </p:nvSpPr>
+        <p:spPr/>
+        <p:txBody>
+          <a:bodyPr/>
+          <a:lstStyle/>
+          <a:p>
+            <a:endParaRPr lang="ko-KR" altLang="en-US" dirty="0">
+              <a:latin typeface="맑은 고딕" panose="020B0503020000020004" pitchFamily="50" charset="-127"/>
+              <a:ea typeface="맑은 고딕" panose="020B0503020000020004" pitchFamily="50" charset="-127"/>
+            </a:endParaRPr>
+          </a:p>
+        </p:txBody>
+      </p:sp>
+      <p:sp>
+        <p:nvSpPr>
+          <p:cNvPr id="4" name="슬라이드 번호 개체 틀 3"/>
+          <p:cNvSpPr>
+            <a:spLocks noGrp="1"/>
+          </p:cNvSpPr>
+          <p:nvPr>
+            <p:ph type="sldNum" sz="quarter" idx="10"/>
+          </p:nvPr>
+        </p:nvSpPr>
+        <p:spPr/>
+        <p:txBody>
+          <a:bodyPr/>
+          <a:lstStyle/>
+          <a:p>
+            <a:pPr rtl="0"/>
+            <a:fld id="{82869989-EB00-4EE7-BCB5-25BDC5BB29F8}" type="slidenum">
+              <a:rPr lang="en-US" altLang="ko-KR" smtClean="0">
+                <a:latin typeface="맑은 고딕" panose="020B0503020000020004" pitchFamily="50" charset="-127"/>
+                <a:ea typeface="맑은 고딕" panose="020B0503020000020004" pitchFamily="50" charset="-127"/>
+              </a:rPr>
+              <a:t>18</a:t>
             </a:fld>
             <a:endParaRPr lang="ko-KR" altLang="en-US" dirty="0">
               <a:latin typeface="맑은 고딕" panose="020B0503020000020004" pitchFamily="50" charset="-127"/>
@@ -6643,7 +6738,7 @@
     </p:spTree>
     <p:extLst>
       <p:ext uri="{BB962C8B-B14F-4D97-AF65-F5344CB8AC3E}">
-        <p14:creationId xmlns:p14="http://schemas.microsoft.com/office/powerpoint/2010/main" val="4200904051"/>
+        <p14:creationId xmlns:p14="http://schemas.microsoft.com/office/powerpoint/2010/main" val="2701920411"/>
       </p:ext>
     </p:extLst>
   </p:cSld>
@@ -8857,7 +8952,7 @@
           <a:p>
             <a:fld id="{2A5B65E4-62A8-4988-B07B-5D6D443B14ED}" type="datetime4">
               <a:rPr lang="ko-KR" altLang="en-US" smtClean="0"/>
-              <a:t>2019년 6월 11일</a:t>
+              <a:t>2019년 6월 12일</a:t>
             </a:fld>
             <a:endParaRPr lang="ko-KR" altLang="en-US" dirty="0"/>
           </a:p>
@@ -9113,7 +9208,7 @@
           <a:p>
             <a:fld id="{58EB6286-0DE7-4336-9826-977AD102FCF2}" type="datetime4">
               <a:rPr lang="ko-KR" altLang="en-US" noProof="0" smtClean="0"/>
-              <a:t>2019년 6월 11일</a:t>
+              <a:t>2019년 6월 12일</a:t>
             </a:fld>
             <a:endParaRPr lang="ko-KR" altLang="en-US" noProof="0" dirty="0"/>
           </a:p>
@@ -9309,7 +9404,7 @@
             <a:pPr rtl="0"/>
             <a:fld id="{6A5419DA-7218-42E5-A443-F000500111E1}" type="datetime4">
               <a:rPr lang="ko-KR" altLang="en-US" noProof="0" smtClean="0"/>
-              <a:t>2019년 6월 11일</a:t>
+              <a:t>2019년 6월 12일</a:t>
             </a:fld>
             <a:endParaRPr lang="ko-KR" altLang="en-US" noProof="0" dirty="0"/>
           </a:p>
@@ -11710,7 +11805,7 @@
           <a:p>
             <a:fld id="{E498C52F-1DF1-4226-BAB6-C1E2EE4C9D62}" type="datetime4">
               <a:rPr lang="ko-KR" altLang="en-US" noProof="0" smtClean="0"/>
-              <a:t>2019년 6월 11일</a:t>
+              <a:t>2019년 6월 12일</a:t>
             </a:fld>
             <a:endParaRPr lang="ko-KR" altLang="en-US" noProof="0" dirty="0"/>
           </a:p>
@@ -12229,7 +12324,7 @@
           <a:p>
             <a:fld id="{7B1E1FFC-F755-4558-8D3C-A157D1A01A8A}" type="datetime4">
               <a:rPr lang="ko-KR" altLang="en-US" noProof="0" smtClean="0"/>
-              <a:t>2019년 6월 11일</a:t>
+              <a:t>2019년 6월 12일</a:t>
             </a:fld>
             <a:endParaRPr lang="ko-KR" altLang="en-US" noProof="0" dirty="0"/>
           </a:p>
@@ -12373,7 +12468,7 @@
             <a:pPr rtl="0"/>
             <a:fld id="{DA2A33C0-A4A8-4C90-B6DA-35B8CF58C816}" type="datetime4">
               <a:rPr lang="ko-KR" altLang="en-US" noProof="0" smtClean="0"/>
-              <a:t>2019년 6월 11일</a:t>
+              <a:t>2019년 6월 12일</a:t>
             </a:fld>
             <a:endParaRPr lang="ko-KR" altLang="en-US" noProof="0" dirty="0"/>
           </a:p>
@@ -14321,7 +14416,7 @@
           <a:p>
             <a:fld id="{53CB1B8F-A14A-4BE4-A9B9-3B263F04145C}" type="datetime4">
               <a:rPr lang="ko-KR" altLang="en-US" noProof="0" smtClean="0"/>
-              <a:t>2019년 6월 11일</a:t>
+              <a:t>2019년 6월 12일</a:t>
             </a:fld>
             <a:endParaRPr lang="ko-KR" altLang="en-US" noProof="0" dirty="0"/>
           </a:p>
@@ -16618,7 +16713,7 @@
           <a:p>
             <a:fld id="{5B9196A3-957C-4113-A568-B6ED9AEA3D01}" type="datetime4">
               <a:rPr lang="ko-KR" altLang="en-US" noProof="0" smtClean="0"/>
-              <a:t>2019년 6월 11일</a:t>
+              <a:t>2019년 6월 12일</a:t>
             </a:fld>
             <a:endParaRPr lang="ko-KR" altLang="en-US" noProof="0" dirty="0"/>
           </a:p>
@@ -20935,7 +21030,7 @@
           <a:p>
             <a:fld id="{28BEB146-D335-4DA5-9826-58595BCDBE2E}" type="datetime4">
               <a:rPr lang="ko-KR" altLang="en-US" noProof="0" smtClean="0"/>
-              <a:t>2019년 6월 11일</a:t>
+              <a:t>2019년 6월 12일</a:t>
             </a:fld>
             <a:endParaRPr lang="ko-KR" altLang="en-US" noProof="0" dirty="0"/>
           </a:p>
@@ -21513,6 +21608,99 @@
                 <a:latin typeface="맑은 고딕" panose="020B0503020000020004" pitchFamily="50" charset="-127"/>
                 <a:ea typeface="맑은 고딕" panose="020B0503020000020004" pitchFamily="50" charset="-127"/>
               </a:rPr>
+              <a:t>차트를 사용한 제목 및 내용 레이아웃</a:t>
+            </a:r>
+          </a:p>
+        </p:txBody>
+      </p:sp>
+      <p:graphicFrame>
+        <p:nvGraphicFramePr>
+          <p:cNvPr id="6" name="내용 개체 틀 5" descr="4가지 범위에 대해 각각 3가지 값을 보여 주는 묶은 세로 막대형 차트"/>
+          <p:cNvGraphicFramePr>
+            <a:graphicFrameLocks noGrp="1"/>
+          </p:cNvGraphicFramePr>
+          <p:nvPr>
+            <p:ph idx="1"/>
+            <p:extLst>
+              <p:ext uri="{D42A27DB-BD31-4B8C-83A1-F6EECF244321}">
+                <p14:modId xmlns:p14="http://schemas.microsoft.com/office/powerpoint/2010/main" val="1662029953"/>
+              </p:ext>
+            </p:extLst>
+          </p:nvPr>
+        </p:nvGraphicFramePr>
+        <p:xfrm>
+          <a:off x="1295400" y="1981200"/>
+          <a:ext cx="9601200" cy="3810000"/>
+        </p:xfrm>
+        <a:graphic>
+          <a:graphicData uri="http://schemas.openxmlformats.org/drawingml/2006/chart">
+            <c:chart xmlns:c="http://schemas.openxmlformats.org/drawingml/2006/chart" xmlns:r="http://schemas.openxmlformats.org/officeDocument/2006/relationships" r:id="rId3"/>
+          </a:graphicData>
+        </a:graphic>
+      </p:graphicFrame>
+    </p:spTree>
+    <p:extLst>
+      <p:ext uri="{BB962C8B-B14F-4D97-AF65-F5344CB8AC3E}">
+        <p14:creationId xmlns:p14="http://schemas.microsoft.com/office/powerpoint/2010/main" val="1476019738"/>
+      </p:ext>
+    </p:extLst>
+  </p:cSld>
+  <p:clrMapOvr>
+    <a:masterClrMapping/>
+  </p:clrMapOvr>
+  <mc:AlternateContent xmlns:mc="http://schemas.openxmlformats.org/markup-compatibility/2006" xmlns:p14="http://schemas.microsoft.com/office/powerpoint/2010/main">
+    <mc:Choice Requires="p14">
+      <p:transition spd="med" p14:dur="700">
+        <p:fade/>
+      </p:transition>
+    </mc:Choice>
+    <mc:Fallback xmlns="">
+      <p:transition spd="med">
+        <p:fade/>
+      </p:transition>
+    </mc:Fallback>
+  </mc:AlternateContent>
+</p:sld>
+</file>
+
+<file path=ppt/slides/slide11.xml><?xml version="1.0" encoding="utf-8"?>
+<p:sld xmlns:a="http://schemas.openxmlformats.org/drawingml/2006/main" xmlns:r="http://schemas.openxmlformats.org/officeDocument/2006/relationships" xmlns:p="http://schemas.openxmlformats.org/presentationml/2006/main">
+  <p:cSld>
+    <p:spTree>
+      <p:nvGrpSpPr>
+        <p:cNvPr id="1" name=""/>
+        <p:cNvGrpSpPr/>
+        <p:nvPr/>
+      </p:nvGrpSpPr>
+      <p:grpSpPr>
+        <a:xfrm>
+          <a:off x="0" y="0"/>
+          <a:ext cx="0" cy="0"/>
+          <a:chOff x="0" y="0"/>
+          <a:chExt cx="0" cy="0"/>
+        </a:xfrm>
+      </p:grpSpPr>
+      <p:sp>
+        <p:nvSpPr>
+          <p:cNvPr id="2" name="제목 1"/>
+          <p:cNvSpPr>
+            <a:spLocks noGrp="1"/>
+          </p:cNvSpPr>
+          <p:nvPr>
+            <p:ph type="title"/>
+          </p:nvPr>
+        </p:nvSpPr>
+        <p:spPr/>
+        <p:txBody>
+          <a:bodyPr rtlCol="0"/>
+          <a:lstStyle/>
+          <a:p>
+            <a:pPr rtl="0"/>
+            <a:r>
+              <a:rPr lang="ko-KR" altLang="en-US" dirty="0">
+                <a:latin typeface="맑은 고딕" panose="020B0503020000020004" pitchFamily="50" charset="-127"/>
+                <a:ea typeface="맑은 고딕" panose="020B0503020000020004" pitchFamily="50" charset="-127"/>
+              </a:rPr>
               <a:t>표를 사용한 두 개의 내용 레이아웃</a:t>
             </a:r>
           </a:p>
@@ -21961,7 +22149,7 @@
 </p:sld>
 </file>
 
-<file path=ppt/slides/slide11.xml><?xml version="1.0" encoding="utf-8"?>
+<file path=ppt/slides/slide12.xml><?xml version="1.0" encoding="utf-8"?>
 <p:sld xmlns:a="http://schemas.openxmlformats.org/drawingml/2006/main" xmlns:r="http://schemas.openxmlformats.org/officeDocument/2006/relationships" xmlns:p="http://schemas.openxmlformats.org/presentationml/2006/main">
   <p:cSld>
     <p:spTree>
@@ -22061,7 +22249,7 @@
 </p:sld>
 </file>
 
-<file path=ppt/slides/slide12.xml><?xml version="1.0" encoding="utf-8"?>
+<file path=ppt/slides/slide13.xml><?xml version="1.0" encoding="utf-8"?>
 <p:sld xmlns:a="http://schemas.openxmlformats.org/drawingml/2006/main" xmlns:r="http://schemas.openxmlformats.org/officeDocument/2006/relationships" xmlns:p="http://schemas.openxmlformats.org/presentationml/2006/main">
   <p:cSld>
     <p:spTree>
@@ -22159,7 +22347,7 @@
 </p:sld>
 </file>
 
-<file path=ppt/slides/slide13.xml><?xml version="1.0" encoding="utf-8"?>
+<file path=ppt/slides/slide14.xml><?xml version="1.0" encoding="utf-8"?>
 <p:sld xmlns:a="http://schemas.openxmlformats.org/drawingml/2006/main" xmlns:r="http://schemas.openxmlformats.org/officeDocument/2006/relationships" xmlns:p="http://schemas.openxmlformats.org/presentationml/2006/main">
   <p:cSld>
     <p:spTree>
@@ -22326,7 +22514,7 @@
 </p:sld>
 </file>
 
-<file path=ppt/slides/slide14.xml><?xml version="1.0" encoding="utf-8"?>
+<file path=ppt/slides/slide15.xml><?xml version="1.0" encoding="utf-8"?>
 <p:sld xmlns:a="http://schemas.openxmlformats.org/drawingml/2006/main" xmlns:r="http://schemas.openxmlformats.org/officeDocument/2006/relationships" xmlns:p="http://schemas.openxmlformats.org/presentationml/2006/main">
   <p:cSld>
     <p:spTree>
@@ -22401,7 +22589,7 @@
 </p:sld>
 </file>
 
-<file path=ppt/slides/slide15.xml><?xml version="1.0" encoding="utf-8"?>
+<file path=ppt/slides/slide16.xml><?xml version="1.0" encoding="utf-8"?>
 <p:sld xmlns:a="http://schemas.openxmlformats.org/drawingml/2006/main" xmlns:r="http://schemas.openxmlformats.org/officeDocument/2006/relationships" xmlns:p="http://schemas.openxmlformats.org/presentationml/2006/main">
   <p:cSld>
     <p:spTree>
@@ -22443,7 +22631,7 @@
 </p:sld>
 </file>
 
-<file path=ppt/slides/slide16.xml><?xml version="1.0" encoding="utf-8"?>
+<file path=ppt/slides/slide17.xml><?xml version="1.0" encoding="utf-8"?>
 <p:sld xmlns:a="http://schemas.openxmlformats.org/drawingml/2006/main" xmlns:r="http://schemas.openxmlformats.org/officeDocument/2006/relationships" xmlns:p="http://schemas.openxmlformats.org/presentationml/2006/main">
   <p:cSld>
     <p:spTree>
@@ -22564,7 +22752,7 @@
 </p:sld>
 </file>
 
-<file path=ppt/slides/slide17.xml><?xml version="1.0" encoding="utf-8"?>
+<file path=ppt/slides/slide18.xml><?xml version="1.0" encoding="utf-8"?>
 <p:sld xmlns:a="http://schemas.openxmlformats.org/drawingml/2006/main" xmlns:r="http://schemas.openxmlformats.org/officeDocument/2006/relationships" xmlns:p="http://schemas.openxmlformats.org/presentationml/2006/main">
   <p:cSld>
     <p:spTree>
@@ -26233,51 +26421,737 @@
             <p:ph type="title"/>
           </p:nvPr>
         </p:nvSpPr>
-        <p:spPr/>
+        <p:spPr>
+          <a:xfrm>
+            <a:off x="1295400" y="494414"/>
+            <a:ext cx="9601200" cy="577666"/>
+          </a:xfrm>
+        </p:spPr>
         <p:txBody>
           <a:bodyPr rtlCol="0"/>
           <a:lstStyle/>
           <a:p>
             <a:pPr rtl="0"/>
             <a:r>
-              <a:rPr lang="ko-KR" altLang="en-US" dirty="0">
-                <a:latin typeface="맑은 고딕" panose="020B0503020000020004" pitchFamily="50" charset="-127"/>
-                <a:ea typeface="맑은 고딕" panose="020B0503020000020004" pitchFamily="50" charset="-127"/>
-              </a:rPr>
-              <a:t>차트를 사용한 제목 및 내용 레이아웃</a:t>
-            </a:r>
+              <a:rPr lang="en-US" altLang="ko-KR" dirty="0"/>
+              <a:t>2. Texture Array</a:t>
+            </a:r>
+            <a:endParaRPr lang="ko-KR" altLang="en-US" dirty="0">
+              <a:latin typeface="맑은 고딕" panose="020B0503020000020004" pitchFamily="50" charset="-127"/>
+              <a:ea typeface="맑은 고딕" panose="020B0503020000020004" pitchFamily="50" charset="-127"/>
+            </a:endParaRPr>
           </a:p>
         </p:txBody>
       </p:sp>
-      <p:graphicFrame>
-        <p:nvGraphicFramePr>
-          <p:cNvPr id="6" name="내용 개체 틀 5" descr="4가지 범위에 대해 각각 3가지 값을 보여 주는 묶은 세로 막대형 차트"/>
-          <p:cNvGraphicFramePr>
-            <a:graphicFrameLocks noGrp="1"/>
-          </p:cNvGraphicFramePr>
-          <p:nvPr>
-            <p:ph idx="1"/>
-            <p:extLst>
-              <p:ext uri="{D42A27DB-BD31-4B8C-83A1-F6EECF244321}">
-                <p14:modId xmlns:p14="http://schemas.microsoft.com/office/powerpoint/2010/main" val="1662029953"/>
-              </p:ext>
-            </p:extLst>
-          </p:nvPr>
-        </p:nvGraphicFramePr>
-        <p:xfrm>
-          <a:off x="1295400" y="1981200"/>
-          <a:ext cx="9601200" cy="3810000"/>
-        </p:xfrm>
-        <a:graphic>
-          <a:graphicData uri="http://schemas.openxmlformats.org/drawingml/2006/chart">
-            <c:chart xmlns:c="http://schemas.openxmlformats.org/drawingml/2006/chart" xmlns:r="http://schemas.openxmlformats.org/officeDocument/2006/relationships" r:id="rId3"/>
-          </a:graphicData>
-        </a:graphic>
-      </p:graphicFrame>
+      <p:sp>
+        <p:nvSpPr>
+          <p:cNvPr id="4" name="제목 1">
+            <a:extLst>
+              <a:ext uri="{FF2B5EF4-FFF2-40B4-BE49-F238E27FC236}">
+                <a16:creationId xmlns:a16="http://schemas.microsoft.com/office/drawing/2014/main" id="{D92F99C4-4165-44A8-A569-E44734DB5A28}"/>
+              </a:ext>
+            </a:extLst>
+          </p:cNvPr>
+          <p:cNvSpPr txBox="1">
+            <a:spLocks/>
+          </p:cNvSpPr>
+          <p:nvPr/>
+        </p:nvSpPr>
+        <p:spPr>
+          <a:xfrm>
+            <a:off x="623777" y="984416"/>
+            <a:ext cx="9601200" cy="577666"/>
+          </a:xfrm>
+          <a:prstGeom prst="rect">
+            <a:avLst/>
+          </a:prstGeom>
+        </p:spPr>
+        <p:txBody>
+          <a:bodyPr vert="horz" lIns="91440" tIns="45720" rIns="91440" bIns="45720" rtlCol="0" anchor="b">
+            <a:normAutofit/>
+          </a:bodyPr>
+          <a:lstStyle>
+            <a:lvl1pPr algn="l" defTabSz="914400" rtl="0" eaLnBrk="1" latinLnBrk="1" hangingPunct="1">
+              <a:lnSpc>
+                <a:spcPct val="90000"/>
+              </a:lnSpc>
+              <a:spcBef>
+                <a:spcPct val="0"/>
+              </a:spcBef>
+              <a:buNone/>
+              <a:defRPr sz="3200" b="1" kern="1200">
+                <a:solidFill>
+                  <a:schemeClr val="accent1">
+                    <a:lumMod val="75000"/>
+                  </a:schemeClr>
+                </a:solidFill>
+                <a:latin typeface="맑은 고딕" panose="020B0503020000020004" pitchFamily="50" charset="-127"/>
+                <a:ea typeface="맑은 고딕" panose="020B0503020000020004" pitchFamily="50" charset="-127"/>
+                <a:cs typeface="+mj-cs"/>
+              </a:defRPr>
+            </a:lvl1pPr>
+          </a:lstStyle>
+          <a:p>
+            <a:r>
+              <a:rPr lang="ko-KR" altLang="en-US" sz="2000" dirty="0"/>
+              <a:t>알파</a:t>
+            </a:r>
+            <a:r>
+              <a:rPr lang="en-US" altLang="ko-KR" sz="2000" dirty="0"/>
+              <a:t>-</a:t>
+            </a:r>
+            <a:r>
+              <a:rPr lang="ko-KR" altLang="en-US" sz="2000" dirty="0"/>
+              <a:t>포괄도 변환</a:t>
+            </a:r>
+          </a:p>
+        </p:txBody>
+      </p:sp>
+      <p:sp>
+        <p:nvSpPr>
+          <p:cNvPr id="5" name="내용 개체 틀 2">
+            <a:extLst>
+              <a:ext uri="{FF2B5EF4-FFF2-40B4-BE49-F238E27FC236}">
+                <a16:creationId xmlns:a16="http://schemas.microsoft.com/office/drawing/2014/main" id="{BA012842-9CC9-4B8A-9F7E-1A1B7631FE14}"/>
+              </a:ext>
+            </a:extLst>
+          </p:cNvPr>
+          <p:cNvSpPr txBox="1">
+            <a:spLocks/>
+          </p:cNvSpPr>
+          <p:nvPr/>
+        </p:nvSpPr>
+        <p:spPr>
+          <a:xfrm>
+            <a:off x="972879" y="2107960"/>
+            <a:ext cx="6055241" cy="1209398"/>
+          </a:xfrm>
+          <a:prstGeom prst="rect">
+            <a:avLst/>
+          </a:prstGeom>
+        </p:spPr>
+        <p:txBody>
+          <a:bodyPr vert="horz" lIns="91440" tIns="45720" rIns="91440" bIns="45720" rtlCol="0">
+            <a:normAutofit/>
+          </a:bodyPr>
+          <a:lstStyle>
+            <a:lvl1pPr marL="228600" indent="-228600" algn="l" defTabSz="914400" rtl="0" eaLnBrk="1" latinLnBrk="1" hangingPunct="1">
+              <a:lnSpc>
+                <a:spcPct val="90000"/>
+              </a:lnSpc>
+              <a:spcBef>
+                <a:spcPts val="1800"/>
+              </a:spcBef>
+              <a:buClr>
+                <a:schemeClr val="accent1">
+                  <a:lumMod val="75000"/>
+                </a:schemeClr>
+              </a:buClr>
+              <a:buSzPct val="100000"/>
+              <a:buFont typeface="Arial" pitchFamily="34" charset="0"/>
+              <a:buChar char="▪"/>
+              <a:defRPr sz="2000" kern="1200">
+                <a:solidFill>
+                  <a:schemeClr val="tx1"/>
+                </a:solidFill>
+                <a:latin typeface="맑은 고딕" panose="020B0503020000020004" pitchFamily="50" charset="-127"/>
+                <a:ea typeface="맑은 고딕" panose="020B0503020000020004" pitchFamily="50" charset="-127"/>
+                <a:cs typeface="+mn-cs"/>
+              </a:defRPr>
+            </a:lvl1pPr>
+            <a:lvl2pPr marL="457200" indent="-182880" algn="l" defTabSz="914400" rtl="0" eaLnBrk="1" latinLnBrk="1" hangingPunct="1">
+              <a:lnSpc>
+                <a:spcPct val="90000"/>
+              </a:lnSpc>
+              <a:spcBef>
+                <a:spcPts val="1200"/>
+              </a:spcBef>
+              <a:buClr>
+                <a:schemeClr val="accent1">
+                  <a:lumMod val="75000"/>
+                </a:schemeClr>
+              </a:buClr>
+              <a:buSzPct val="100000"/>
+              <a:buFont typeface="Arial" pitchFamily="34" charset="0"/>
+              <a:buChar char="▪"/>
+              <a:defRPr sz="1800" kern="1200">
+                <a:solidFill>
+                  <a:schemeClr val="tx1"/>
+                </a:solidFill>
+                <a:latin typeface="맑은 고딕" panose="020B0503020000020004" pitchFamily="50" charset="-127"/>
+                <a:ea typeface="맑은 고딕" panose="020B0503020000020004" pitchFamily="50" charset="-127"/>
+                <a:cs typeface="+mn-cs"/>
+              </a:defRPr>
+            </a:lvl2pPr>
+            <a:lvl3pPr marL="685800" indent="-179388" algn="l" defTabSz="914400" rtl="0" eaLnBrk="1" latinLnBrk="1" hangingPunct="1">
+              <a:lnSpc>
+                <a:spcPct val="90000"/>
+              </a:lnSpc>
+              <a:spcBef>
+                <a:spcPts val="800"/>
+              </a:spcBef>
+              <a:buClr>
+                <a:schemeClr val="accent1">
+                  <a:lumMod val="75000"/>
+                </a:schemeClr>
+              </a:buClr>
+              <a:buSzPct val="100000"/>
+              <a:buFont typeface="Arial" pitchFamily="34" charset="0"/>
+              <a:buChar char="▪"/>
+              <a:defRPr sz="1600" kern="1200">
+                <a:solidFill>
+                  <a:schemeClr val="tx1"/>
+                </a:solidFill>
+                <a:latin typeface="맑은 고딕" panose="020B0503020000020004" pitchFamily="50" charset="-127"/>
+                <a:ea typeface="맑은 고딕" panose="020B0503020000020004" pitchFamily="50" charset="-127"/>
+                <a:cs typeface="+mn-cs"/>
+              </a:defRPr>
+            </a:lvl3pPr>
+            <a:lvl4pPr marL="914400" indent="-182880" algn="l" defTabSz="914400" rtl="0" eaLnBrk="1" latinLnBrk="1" hangingPunct="1">
+              <a:lnSpc>
+                <a:spcPct val="90000"/>
+              </a:lnSpc>
+              <a:spcBef>
+                <a:spcPts val="800"/>
+              </a:spcBef>
+              <a:buClr>
+                <a:schemeClr val="accent1">
+                  <a:lumMod val="75000"/>
+                </a:schemeClr>
+              </a:buClr>
+              <a:buSzPct val="100000"/>
+              <a:buFont typeface="Arial" pitchFamily="34" charset="0"/>
+              <a:buChar char="▪"/>
+              <a:defRPr sz="1400" kern="1200">
+                <a:solidFill>
+                  <a:schemeClr val="tx1"/>
+                </a:solidFill>
+                <a:latin typeface="맑은 고딕" panose="020B0503020000020004" pitchFamily="50" charset="-127"/>
+                <a:ea typeface="맑은 고딕" panose="020B0503020000020004" pitchFamily="50" charset="-127"/>
+                <a:cs typeface="+mn-cs"/>
+              </a:defRPr>
+            </a:lvl4pPr>
+            <a:lvl5pPr marL="1143000" indent="-179388" algn="l" defTabSz="914400" rtl="0" eaLnBrk="1" latinLnBrk="1" hangingPunct="1">
+              <a:lnSpc>
+                <a:spcPct val="90000"/>
+              </a:lnSpc>
+              <a:spcBef>
+                <a:spcPts val="600"/>
+              </a:spcBef>
+              <a:buClr>
+                <a:schemeClr val="accent1">
+                  <a:lumMod val="75000"/>
+                </a:schemeClr>
+              </a:buClr>
+              <a:buSzPct val="100000"/>
+              <a:buFont typeface="Arial" pitchFamily="34" charset="0"/>
+              <a:buChar char="▪"/>
+              <a:defRPr sz="1400" kern="1200">
+                <a:solidFill>
+                  <a:schemeClr val="tx1"/>
+                </a:solidFill>
+                <a:latin typeface="맑은 고딕" panose="020B0503020000020004" pitchFamily="50" charset="-127"/>
+                <a:ea typeface="맑은 고딕" panose="020B0503020000020004" pitchFamily="50" charset="-127"/>
+                <a:cs typeface="+mn-cs"/>
+              </a:defRPr>
+            </a:lvl5pPr>
+            <a:lvl6pPr marL="1371600" indent="-182880" algn="l" defTabSz="914400" rtl="0" eaLnBrk="1" latinLnBrk="1" hangingPunct="1">
+              <a:lnSpc>
+                <a:spcPct val="90000"/>
+              </a:lnSpc>
+              <a:spcBef>
+                <a:spcPts val="600"/>
+              </a:spcBef>
+              <a:buClr>
+                <a:schemeClr val="accent1">
+                  <a:lumMod val="75000"/>
+                </a:schemeClr>
+              </a:buClr>
+              <a:buSzPct val="100000"/>
+              <a:buFont typeface="Arial" pitchFamily="34" charset="0"/>
+              <a:buChar char="▪"/>
+              <a:defRPr sz="1800" kern="1200">
+                <a:solidFill>
+                  <a:schemeClr val="tx1"/>
+                </a:solidFill>
+                <a:latin typeface="+mn-lt"/>
+                <a:ea typeface="+mn-ea"/>
+                <a:cs typeface="+mn-cs"/>
+              </a:defRPr>
+            </a:lvl6pPr>
+            <a:lvl7pPr marL="1600200" indent="-179388" algn="l" defTabSz="914400" rtl="0" eaLnBrk="1" latinLnBrk="1" hangingPunct="1">
+              <a:lnSpc>
+                <a:spcPct val="90000"/>
+              </a:lnSpc>
+              <a:spcBef>
+                <a:spcPts val="600"/>
+              </a:spcBef>
+              <a:buClr>
+                <a:schemeClr val="accent1">
+                  <a:lumMod val="75000"/>
+                </a:schemeClr>
+              </a:buClr>
+              <a:buSzPct val="100000"/>
+              <a:buFont typeface="Arial" pitchFamily="34" charset="0"/>
+              <a:buChar char="▪"/>
+              <a:defRPr sz="1800" kern="1200">
+                <a:solidFill>
+                  <a:schemeClr val="tx1"/>
+                </a:solidFill>
+                <a:latin typeface="+mn-lt"/>
+                <a:ea typeface="+mn-ea"/>
+                <a:cs typeface="+mn-cs"/>
+              </a:defRPr>
+            </a:lvl7pPr>
+            <a:lvl8pPr marL="1828800" indent="-182880" algn="l" defTabSz="914400" rtl="0" eaLnBrk="1" latinLnBrk="1" hangingPunct="1">
+              <a:lnSpc>
+                <a:spcPct val="90000"/>
+              </a:lnSpc>
+              <a:spcBef>
+                <a:spcPts val="600"/>
+              </a:spcBef>
+              <a:buClr>
+                <a:schemeClr val="accent1">
+                  <a:lumMod val="75000"/>
+                </a:schemeClr>
+              </a:buClr>
+              <a:buSzPct val="100000"/>
+              <a:buFont typeface="Arial" pitchFamily="34" charset="0"/>
+              <a:buChar char="▪"/>
+              <a:defRPr sz="1800" kern="1200">
+                <a:solidFill>
+                  <a:schemeClr val="tx1"/>
+                </a:solidFill>
+                <a:latin typeface="+mn-lt"/>
+                <a:ea typeface="+mn-ea"/>
+                <a:cs typeface="+mn-cs"/>
+              </a:defRPr>
+            </a:lvl8pPr>
+            <a:lvl9pPr marL="1878012" indent="0" algn="l" defTabSz="914400" rtl="0" eaLnBrk="1" latinLnBrk="1" hangingPunct="1">
+              <a:lnSpc>
+                <a:spcPct val="90000"/>
+              </a:lnSpc>
+              <a:spcBef>
+                <a:spcPts val="600"/>
+              </a:spcBef>
+              <a:buClr>
+                <a:schemeClr val="accent1">
+                  <a:lumMod val="75000"/>
+                </a:schemeClr>
+              </a:buClr>
+              <a:buSzPct val="100000"/>
+              <a:buFont typeface="Arial" pitchFamily="34" charset="0"/>
+              <a:buNone/>
+              <a:defRPr sz="1800" kern="1200">
+                <a:solidFill>
+                  <a:schemeClr val="tx1"/>
+                </a:solidFill>
+                <a:latin typeface="+mn-lt"/>
+                <a:ea typeface="+mn-ea"/>
+                <a:cs typeface="+mn-cs"/>
+              </a:defRPr>
+            </a:lvl9pPr>
+          </a:lstStyle>
+          <a:p>
+            <a:pPr marL="0" indent="0">
+              <a:buFont typeface="Arial" pitchFamily="34" charset="0"/>
+              <a:buNone/>
+            </a:pPr>
+            <a:endParaRPr lang="ko-KR" altLang="en-US" sz="1500" dirty="0"/>
+          </a:p>
+        </p:txBody>
+      </p:sp>
+      <p:sp>
+        <p:nvSpPr>
+          <p:cNvPr id="9" name="내용 개체 틀 2">
+            <a:extLst>
+              <a:ext uri="{FF2B5EF4-FFF2-40B4-BE49-F238E27FC236}">
+                <a16:creationId xmlns:a16="http://schemas.microsoft.com/office/drawing/2014/main" id="{3C505D4B-DABB-454A-AC0F-60D099DDF5A8}"/>
+              </a:ext>
+            </a:extLst>
+          </p:cNvPr>
+          <p:cNvSpPr txBox="1">
+            <a:spLocks/>
+          </p:cNvSpPr>
+          <p:nvPr/>
+        </p:nvSpPr>
+        <p:spPr>
+          <a:xfrm>
+            <a:off x="663991" y="2179802"/>
+            <a:ext cx="10864017" cy="3366867"/>
+          </a:xfrm>
+          <a:prstGeom prst="rect">
+            <a:avLst/>
+          </a:prstGeom>
+        </p:spPr>
+        <p:txBody>
+          <a:bodyPr vert="horz" lIns="91440" tIns="45720" rIns="91440" bIns="45720" rtlCol="0">
+            <a:normAutofit/>
+          </a:bodyPr>
+          <a:lstStyle>
+            <a:lvl1pPr marL="228600" indent="-228600" algn="l" defTabSz="914400" rtl="0" eaLnBrk="1" latinLnBrk="1" hangingPunct="1">
+              <a:lnSpc>
+                <a:spcPct val="90000"/>
+              </a:lnSpc>
+              <a:spcBef>
+                <a:spcPts val="1800"/>
+              </a:spcBef>
+              <a:buClr>
+                <a:schemeClr val="accent1">
+                  <a:lumMod val="75000"/>
+                </a:schemeClr>
+              </a:buClr>
+              <a:buSzPct val="100000"/>
+              <a:buFont typeface="Arial" pitchFamily="34" charset="0"/>
+              <a:buChar char="▪"/>
+              <a:defRPr sz="2000" kern="1200">
+                <a:solidFill>
+                  <a:schemeClr val="tx1"/>
+                </a:solidFill>
+                <a:latin typeface="맑은 고딕" panose="020B0503020000020004" pitchFamily="50" charset="-127"/>
+                <a:ea typeface="맑은 고딕" panose="020B0503020000020004" pitchFamily="50" charset="-127"/>
+                <a:cs typeface="+mn-cs"/>
+              </a:defRPr>
+            </a:lvl1pPr>
+            <a:lvl2pPr marL="457200" indent="-182880" algn="l" defTabSz="914400" rtl="0" eaLnBrk="1" latinLnBrk="1" hangingPunct="1">
+              <a:lnSpc>
+                <a:spcPct val="90000"/>
+              </a:lnSpc>
+              <a:spcBef>
+                <a:spcPts val="1200"/>
+              </a:spcBef>
+              <a:buClr>
+                <a:schemeClr val="accent1">
+                  <a:lumMod val="75000"/>
+                </a:schemeClr>
+              </a:buClr>
+              <a:buSzPct val="100000"/>
+              <a:buFont typeface="Arial" pitchFamily="34" charset="0"/>
+              <a:buChar char="▪"/>
+              <a:defRPr sz="1800" kern="1200">
+                <a:solidFill>
+                  <a:schemeClr val="tx1"/>
+                </a:solidFill>
+                <a:latin typeface="맑은 고딕" panose="020B0503020000020004" pitchFamily="50" charset="-127"/>
+                <a:ea typeface="맑은 고딕" panose="020B0503020000020004" pitchFamily="50" charset="-127"/>
+                <a:cs typeface="+mn-cs"/>
+              </a:defRPr>
+            </a:lvl2pPr>
+            <a:lvl3pPr marL="685800" indent="-179388" algn="l" defTabSz="914400" rtl="0" eaLnBrk="1" latinLnBrk="1" hangingPunct="1">
+              <a:lnSpc>
+                <a:spcPct val="90000"/>
+              </a:lnSpc>
+              <a:spcBef>
+                <a:spcPts val="800"/>
+              </a:spcBef>
+              <a:buClr>
+                <a:schemeClr val="accent1">
+                  <a:lumMod val="75000"/>
+                </a:schemeClr>
+              </a:buClr>
+              <a:buSzPct val="100000"/>
+              <a:buFont typeface="Arial" pitchFamily="34" charset="0"/>
+              <a:buChar char="▪"/>
+              <a:defRPr sz="1600" kern="1200">
+                <a:solidFill>
+                  <a:schemeClr val="tx1"/>
+                </a:solidFill>
+                <a:latin typeface="맑은 고딕" panose="020B0503020000020004" pitchFamily="50" charset="-127"/>
+                <a:ea typeface="맑은 고딕" panose="020B0503020000020004" pitchFamily="50" charset="-127"/>
+                <a:cs typeface="+mn-cs"/>
+              </a:defRPr>
+            </a:lvl3pPr>
+            <a:lvl4pPr marL="914400" indent="-182880" algn="l" defTabSz="914400" rtl="0" eaLnBrk="1" latinLnBrk="1" hangingPunct="1">
+              <a:lnSpc>
+                <a:spcPct val="90000"/>
+              </a:lnSpc>
+              <a:spcBef>
+                <a:spcPts val="800"/>
+              </a:spcBef>
+              <a:buClr>
+                <a:schemeClr val="accent1">
+                  <a:lumMod val="75000"/>
+                </a:schemeClr>
+              </a:buClr>
+              <a:buSzPct val="100000"/>
+              <a:buFont typeface="Arial" pitchFamily="34" charset="0"/>
+              <a:buChar char="▪"/>
+              <a:defRPr sz="1400" kern="1200">
+                <a:solidFill>
+                  <a:schemeClr val="tx1"/>
+                </a:solidFill>
+                <a:latin typeface="맑은 고딕" panose="020B0503020000020004" pitchFamily="50" charset="-127"/>
+                <a:ea typeface="맑은 고딕" panose="020B0503020000020004" pitchFamily="50" charset="-127"/>
+                <a:cs typeface="+mn-cs"/>
+              </a:defRPr>
+            </a:lvl4pPr>
+            <a:lvl5pPr marL="1143000" indent="-179388" algn="l" defTabSz="914400" rtl="0" eaLnBrk="1" latinLnBrk="1" hangingPunct="1">
+              <a:lnSpc>
+                <a:spcPct val="90000"/>
+              </a:lnSpc>
+              <a:spcBef>
+                <a:spcPts val="600"/>
+              </a:spcBef>
+              <a:buClr>
+                <a:schemeClr val="accent1">
+                  <a:lumMod val="75000"/>
+                </a:schemeClr>
+              </a:buClr>
+              <a:buSzPct val="100000"/>
+              <a:buFont typeface="Arial" pitchFamily="34" charset="0"/>
+              <a:buChar char="▪"/>
+              <a:defRPr sz="1400" kern="1200">
+                <a:solidFill>
+                  <a:schemeClr val="tx1"/>
+                </a:solidFill>
+                <a:latin typeface="맑은 고딕" panose="020B0503020000020004" pitchFamily="50" charset="-127"/>
+                <a:ea typeface="맑은 고딕" panose="020B0503020000020004" pitchFamily="50" charset="-127"/>
+                <a:cs typeface="+mn-cs"/>
+              </a:defRPr>
+            </a:lvl5pPr>
+            <a:lvl6pPr marL="1371600" indent="-182880" algn="l" defTabSz="914400" rtl="0" eaLnBrk="1" latinLnBrk="1" hangingPunct="1">
+              <a:lnSpc>
+                <a:spcPct val="90000"/>
+              </a:lnSpc>
+              <a:spcBef>
+                <a:spcPts val="600"/>
+              </a:spcBef>
+              <a:buClr>
+                <a:schemeClr val="accent1">
+                  <a:lumMod val="75000"/>
+                </a:schemeClr>
+              </a:buClr>
+              <a:buSzPct val="100000"/>
+              <a:buFont typeface="Arial" pitchFamily="34" charset="0"/>
+              <a:buChar char="▪"/>
+              <a:defRPr sz="1800" kern="1200">
+                <a:solidFill>
+                  <a:schemeClr val="tx1"/>
+                </a:solidFill>
+                <a:latin typeface="+mn-lt"/>
+                <a:ea typeface="+mn-ea"/>
+                <a:cs typeface="+mn-cs"/>
+              </a:defRPr>
+            </a:lvl6pPr>
+            <a:lvl7pPr marL="1600200" indent="-179388" algn="l" defTabSz="914400" rtl="0" eaLnBrk="1" latinLnBrk="1" hangingPunct="1">
+              <a:lnSpc>
+                <a:spcPct val="90000"/>
+              </a:lnSpc>
+              <a:spcBef>
+                <a:spcPts val="600"/>
+              </a:spcBef>
+              <a:buClr>
+                <a:schemeClr val="accent1">
+                  <a:lumMod val="75000"/>
+                </a:schemeClr>
+              </a:buClr>
+              <a:buSzPct val="100000"/>
+              <a:buFont typeface="Arial" pitchFamily="34" charset="0"/>
+              <a:buChar char="▪"/>
+              <a:defRPr sz="1800" kern="1200">
+                <a:solidFill>
+                  <a:schemeClr val="tx1"/>
+                </a:solidFill>
+                <a:latin typeface="+mn-lt"/>
+                <a:ea typeface="+mn-ea"/>
+                <a:cs typeface="+mn-cs"/>
+              </a:defRPr>
+            </a:lvl7pPr>
+            <a:lvl8pPr marL="1828800" indent="-182880" algn="l" defTabSz="914400" rtl="0" eaLnBrk="1" latinLnBrk="1" hangingPunct="1">
+              <a:lnSpc>
+                <a:spcPct val="90000"/>
+              </a:lnSpc>
+              <a:spcBef>
+                <a:spcPts val="600"/>
+              </a:spcBef>
+              <a:buClr>
+                <a:schemeClr val="accent1">
+                  <a:lumMod val="75000"/>
+                </a:schemeClr>
+              </a:buClr>
+              <a:buSzPct val="100000"/>
+              <a:buFont typeface="Arial" pitchFamily="34" charset="0"/>
+              <a:buChar char="▪"/>
+              <a:defRPr sz="1800" kern="1200">
+                <a:solidFill>
+                  <a:schemeClr val="tx1"/>
+                </a:solidFill>
+                <a:latin typeface="+mn-lt"/>
+                <a:ea typeface="+mn-ea"/>
+                <a:cs typeface="+mn-cs"/>
+              </a:defRPr>
+            </a:lvl8pPr>
+            <a:lvl9pPr marL="1878012" indent="0" algn="l" defTabSz="914400" rtl="0" eaLnBrk="1" latinLnBrk="1" hangingPunct="1">
+              <a:lnSpc>
+                <a:spcPct val="90000"/>
+              </a:lnSpc>
+              <a:spcBef>
+                <a:spcPts val="600"/>
+              </a:spcBef>
+              <a:buClr>
+                <a:schemeClr val="accent1">
+                  <a:lumMod val="75000"/>
+                </a:schemeClr>
+              </a:buClr>
+              <a:buSzPct val="100000"/>
+              <a:buFont typeface="Arial" pitchFamily="34" charset="0"/>
+              <a:buNone/>
+              <a:defRPr sz="1800" kern="1200">
+                <a:solidFill>
+                  <a:schemeClr val="tx1"/>
+                </a:solidFill>
+                <a:latin typeface="+mn-lt"/>
+                <a:ea typeface="+mn-ea"/>
+                <a:cs typeface="+mn-cs"/>
+              </a:defRPr>
+            </a:lvl9pPr>
+          </a:lstStyle>
+          <a:p>
+            <a:pPr marL="0" indent="0">
+              <a:buFont typeface="Arial" pitchFamily="34" charset="0"/>
+              <a:buNone/>
+            </a:pPr>
+            <a:r>
+              <a:rPr lang="ko-KR" altLang="en-US" sz="1500" dirty="0"/>
+              <a:t>포괄도</a:t>
+            </a:r>
+            <a:r>
+              <a:rPr lang="en-US" altLang="ko-KR" sz="1500" dirty="0"/>
+              <a:t>(coverage) : </a:t>
+            </a:r>
+            <a:r>
+              <a:rPr lang="ko-KR" altLang="en-US" sz="1500" dirty="0" err="1"/>
+              <a:t>부분픽셀이</a:t>
+            </a:r>
+            <a:r>
+              <a:rPr lang="ko-KR" altLang="en-US" sz="1500" dirty="0"/>
+              <a:t> 다각형에 어느 정도나 걸쳐 있는지</a:t>
+            </a:r>
+            <a:r>
+              <a:rPr lang="en-US" altLang="ko-KR" sz="1500" dirty="0"/>
+              <a:t>, </a:t>
+            </a:r>
+            <a:r>
+              <a:rPr lang="ko-KR" altLang="en-US" sz="1500" dirty="0"/>
+              <a:t>또는 </a:t>
+            </a:r>
+            <a:r>
+              <a:rPr lang="ko-KR" altLang="en-US" sz="1500" dirty="0" err="1"/>
+              <a:t>부분픽셀의</a:t>
+            </a:r>
+            <a:r>
+              <a:rPr lang="ko-KR" altLang="en-US" sz="1500" dirty="0"/>
+              <a:t> 중심이 다각형 안에 있는지 아니면 바깥에 있는지를 나타내는 값을 의미</a:t>
+            </a:r>
+            <a:endParaRPr lang="en-US" altLang="ko-KR" sz="1500" dirty="0"/>
+          </a:p>
+          <a:p>
+            <a:pPr marL="0" indent="0">
+              <a:buFont typeface="Arial" pitchFamily="34" charset="0"/>
+              <a:buNone/>
+            </a:pPr>
+            <a:endParaRPr lang="en-US" altLang="ko-KR" sz="1500" dirty="0"/>
+          </a:p>
+          <a:p>
+            <a:pPr marL="0" indent="0">
+              <a:buFont typeface="Arial" pitchFamily="34" charset="0"/>
+              <a:buNone/>
+            </a:pPr>
+            <a:r>
+              <a:rPr lang="en-US" altLang="ko-KR" sz="1500" dirty="0"/>
+              <a:t>D3D12_BLEND_DESC</a:t>
+            </a:r>
+            <a:r>
+              <a:rPr lang="ko-KR" altLang="en-US" sz="1500" dirty="0"/>
+              <a:t>의 </a:t>
+            </a:r>
+            <a:r>
+              <a:rPr lang="en-US" altLang="ko-KR" sz="1500" dirty="0" err="1"/>
+              <a:t>AlphaToCoverageEnable</a:t>
+            </a:r>
+            <a:r>
+              <a:rPr lang="en-US" altLang="ko-KR" sz="1500" dirty="0"/>
+              <a:t> </a:t>
+            </a:r>
+            <a:r>
+              <a:rPr lang="ko-KR" altLang="en-US" sz="1500" dirty="0"/>
+              <a:t>이 </a:t>
+            </a:r>
+            <a:r>
+              <a:rPr lang="en-US" altLang="ko-KR" sz="1500" dirty="0" err="1"/>
+              <a:t>ture</a:t>
+            </a:r>
+            <a:r>
+              <a:rPr lang="ko-KR" altLang="en-US" sz="1500" dirty="0"/>
+              <a:t>이면 알파</a:t>
+            </a:r>
+            <a:r>
+              <a:rPr lang="en-US" altLang="ko-KR" sz="1500" dirty="0"/>
+              <a:t>-</a:t>
+            </a:r>
+            <a:r>
+              <a:rPr lang="ko-KR" altLang="en-US" sz="1500" dirty="0"/>
+              <a:t>포괄도 변환이 활성화 된다</a:t>
+            </a:r>
+            <a:r>
+              <a:rPr lang="en-US" altLang="ko-KR" sz="1500" dirty="0"/>
+              <a:t>(MSAA</a:t>
+            </a:r>
+            <a:r>
+              <a:rPr lang="ko-KR" altLang="en-US" sz="1500" dirty="0"/>
+              <a:t>도 활성화 해야 함</a:t>
+            </a:r>
+            <a:r>
+              <a:rPr lang="en-US" altLang="ko-KR" sz="1500" dirty="0"/>
+              <a:t>)</a:t>
+            </a:r>
+          </a:p>
+          <a:p>
+            <a:pPr marL="0" indent="0">
+              <a:buFont typeface="Arial" pitchFamily="34" charset="0"/>
+              <a:buNone/>
+            </a:pPr>
+            <a:endParaRPr lang="en-US" altLang="ko-KR" sz="1500" dirty="0"/>
+          </a:p>
+          <a:p>
+            <a:pPr marL="0" indent="0">
+              <a:buFont typeface="Arial" pitchFamily="34" charset="0"/>
+              <a:buNone/>
+            </a:pPr>
+            <a:r>
+              <a:rPr lang="ko-KR" altLang="en-US" sz="1500" dirty="0"/>
+              <a:t>하드웨어는 </a:t>
+            </a:r>
+            <a:r>
+              <a:rPr lang="en-US" altLang="ko-KR" sz="1500" dirty="0"/>
+              <a:t>PS</a:t>
+            </a:r>
+            <a:r>
+              <a:rPr lang="ko-KR" altLang="en-US" sz="1500" dirty="0"/>
+              <a:t>가 돌려준 알파 값을 이용해 포괄도를 결정</a:t>
+            </a:r>
+            <a:endParaRPr lang="en-US" altLang="ko-KR" sz="1500" dirty="0"/>
+          </a:p>
+          <a:p>
+            <a:pPr marL="0" indent="0">
+              <a:buFont typeface="Arial" pitchFamily="34" charset="0"/>
+              <a:buNone/>
+            </a:pPr>
+            <a:endParaRPr lang="en-US" altLang="ko-KR" sz="1500" dirty="0"/>
+          </a:p>
+          <a:p>
+            <a:pPr marL="0" indent="0">
+              <a:buFont typeface="Arial" pitchFamily="34" charset="0"/>
+              <a:buNone/>
+            </a:pPr>
+            <a:endParaRPr lang="en-US" altLang="ko-KR" sz="1500" dirty="0"/>
+          </a:p>
+        </p:txBody>
+      </p:sp>
     </p:spTree>
     <p:extLst>
       <p:ext uri="{BB962C8B-B14F-4D97-AF65-F5344CB8AC3E}">
-        <p14:creationId xmlns:p14="http://schemas.microsoft.com/office/powerpoint/2010/main" val="1476019738"/>
+        <p14:creationId xmlns:p14="http://schemas.microsoft.com/office/powerpoint/2010/main" val="666231693"/>
       </p:ext>
     </p:extLst>
   </p:cSld>
